--- a/obfuscation-final.pptx
+++ b/obfuscation-final.pptx
@@ -1,6 +1,6 @@
 
 <file path=ppt/presentation.xml><?xml version="1.0" encoding="utf-8"?>
-<p:presentation xmlns:a="http://schemas.openxmlformats.org/drawingml/2006/main" xmlns:r="http://schemas.openxmlformats.org/officeDocument/2006/relationships" xmlns:p="http://schemas.openxmlformats.org/presentationml/2006/main" saveSubsetFonts="1">
+<p:presentation xmlns:a="http://schemas.openxmlformats.org/drawingml/2006/main" xmlns:r="http://schemas.openxmlformats.org/officeDocument/2006/relationships" xmlns:p="http://schemas.openxmlformats.org/presentationml/2006/main" showSpecialPlsOnTitleSld="0" saveSubsetFonts="1">
   <p:sldMasterIdLst>
     <p:sldMasterId id="2147483756" r:id="rId1"/>
   </p:sldMasterIdLst>
@@ -123,9 +123,7 @@
 <file path=ppt/revisionInfo.xml><?xml version="1.0" encoding="utf-8"?>
 <p1510:revInfo xmlns:a="http://schemas.openxmlformats.org/drawingml/2006/main" xmlns:r="http://schemas.openxmlformats.org/officeDocument/2006/relationships" xmlns:p1510="http://schemas.microsoft.com/office/powerpoint/2015/10/main">
   <p1510:revLst>
-    <p1510:client id="{84B36AE9-B501-8189-C2BA-340C957EB709}" v="71" dt="2024-05-26T18:54:42.109"/>
-    <p1510:client id="{8AA7031C-CCEE-2882-CC15-90AC78E9DF99}" v="25" dt="2024-05-26T11:26:02.734"/>
-    <p1510:client id="{9D96C119-8C7E-427B-8B64-CBC968F61C99}" v="131" dt="2024-05-25T22:08:22.784"/>
+    <p1510:client id="{A9424CFD-72D9-4DEC-A584-39CA29420B3D}" v="11" dt="2024-05-30T06:10:01.746"/>
   </p1510:revLst>
 </p1510:revInfo>
 </file>
@@ -317,7 +315,7 @@
             <a:fld id="{B61BEF0D-F0BB-DE4B-95CE-6DB70DBA9567}" type="datetimeFigureOut">
               <a:rPr lang="en-US" dirty="0"/>
               <a:pPr/>
-              <a:t>5/26/2024</a:t>
+              <a:t>5/29/2024</a:t>
             </a:fld>
             <a:endParaRPr lang="en-US" dirty="0"/>
           </a:p>
@@ -463,6 +461,7 @@
   <p:clrMapOvr>
     <a:masterClrMapping/>
   </p:clrMapOvr>
+  <p:hf sldNum="0" hdr="0" ftr="0" dt="0"/>
 </p:sldLayout>
 </file>
 
@@ -656,7 +655,7 @@
             <a:fld id="{B61BEF0D-F0BB-DE4B-95CE-6DB70DBA9567}" type="datetimeFigureOut">
               <a:rPr lang="en-US" dirty="0"/>
               <a:pPr/>
-              <a:t>5/26/2024</a:t>
+              <a:t>5/29/2024</a:t>
             </a:fld>
             <a:endParaRPr lang="en-US" dirty="0"/>
           </a:p>
@@ -802,6 +801,7 @@
   <p:clrMapOvr>
     <a:masterClrMapping/>
   </p:clrMapOvr>
+  <p:hf hdr="0" ftr="0" dt="0"/>
 </p:sldLayout>
 </file>
 
@@ -1058,7 +1058,7 @@
             <a:fld id="{B61BEF0D-F0BB-DE4B-95CE-6DB70DBA9567}" type="datetimeFigureOut">
               <a:rPr lang="en-US" dirty="0"/>
               <a:pPr/>
-              <a:t>5/26/2024</a:t>
+              <a:t>5/29/2024</a:t>
             </a:fld>
             <a:endParaRPr lang="en-US" dirty="0"/>
           </a:p>
@@ -1280,6 +1280,7 @@
   <p:clrMapOvr>
     <a:masterClrMapping/>
   </p:clrMapOvr>
+  <p:hf hdr="0" ftr="0" dt="0"/>
 </p:sldLayout>
 </file>
 
@@ -1395,7 +1396,7 @@
             <a:fld id="{B61BEF0D-F0BB-DE4B-95CE-6DB70DBA9567}" type="datetimeFigureOut">
               <a:rPr lang="en-US" dirty="0"/>
               <a:pPr/>
-              <a:t>5/26/2024</a:t>
+              <a:t>5/29/2024</a:t>
             </a:fld>
             <a:endParaRPr lang="en-US" dirty="0"/>
           </a:p>
@@ -1541,6 +1542,7 @@
   <p:clrMapOvr>
     <a:masterClrMapping/>
   </p:clrMapOvr>
+  <p:hf hdr="0" ftr="0" dt="0"/>
 </p:sldLayout>
 </file>
 
@@ -1716,7 +1718,7 @@
             <a:fld id="{B61BEF0D-F0BB-DE4B-95CE-6DB70DBA9567}" type="datetimeFigureOut">
               <a:rPr lang="en-US" dirty="0"/>
               <a:pPr/>
-              <a:t>5/26/2024</a:t>
+              <a:t>5/29/2024</a:t>
             </a:fld>
             <a:endParaRPr lang="en-US" dirty="0"/>
           </a:p>
@@ -1938,6 +1940,7 @@
   <p:clrMapOvr>
     <a:masterClrMapping/>
   </p:clrMapOvr>
+  <p:hf hdr="0" ftr="0" dt="0"/>
 </p:sldLayout>
 </file>
 
@@ -2113,7 +2116,7 @@
             <a:fld id="{B61BEF0D-F0BB-DE4B-95CE-6DB70DBA9567}" type="datetimeFigureOut">
               <a:rPr lang="en-US" dirty="0"/>
               <a:pPr/>
-              <a:t>5/26/2024</a:t>
+              <a:t>5/29/2024</a:t>
             </a:fld>
             <a:endParaRPr lang="en-US" dirty="0"/>
           </a:p>
@@ -2259,6 +2262,7 @@
   <p:clrMapOvr>
     <a:masterClrMapping/>
   </p:clrMapOvr>
+  <p:hf hdr="0" ftr="0" dt="0"/>
 </p:sldLayout>
 </file>
 
@@ -2370,7 +2374,7 @@
             <a:fld id="{B61BEF0D-F0BB-DE4B-95CE-6DB70DBA9567}" type="datetimeFigureOut">
               <a:rPr lang="en-US" dirty="0"/>
               <a:pPr/>
-              <a:t>5/26/2024</a:t>
+              <a:t>5/29/2024</a:t>
             </a:fld>
             <a:endParaRPr lang="en-US" dirty="0"/>
           </a:p>
@@ -2511,6 +2515,7 @@
   <p:clrMapOvr>
     <a:masterClrMapping/>
   </p:clrMapOvr>
+  <p:hf hdr="0" ftr="0" dt="0"/>
 </p:sldLayout>
 </file>
 
@@ -2632,7 +2637,7 @@
             <a:fld id="{B61BEF0D-F0BB-DE4B-95CE-6DB70DBA9567}" type="datetimeFigureOut">
               <a:rPr lang="en-US" dirty="0"/>
               <a:pPr/>
-              <a:t>5/26/2024</a:t>
+              <a:t>5/29/2024</a:t>
             </a:fld>
             <a:endParaRPr lang="en-US" dirty="0"/>
           </a:p>
@@ -2773,6 +2778,7 @@
   <p:clrMapOvr>
     <a:masterClrMapping/>
   </p:clrMapOvr>
+  <p:hf hdr="0" ftr="0" dt="0"/>
 </p:sldLayout>
 </file>
 
@@ -2894,7 +2900,7 @@
             <a:fld id="{B61BEF0D-F0BB-DE4B-95CE-6DB70DBA9567}" type="datetimeFigureOut">
               <a:rPr lang="en-US" dirty="0"/>
               <a:pPr/>
-              <a:t>5/26/2024</a:t>
+              <a:t>5/29/2024</a:t>
             </a:fld>
             <a:endParaRPr lang="en-US" dirty="0"/>
           </a:p>
@@ -3035,6 +3041,7 @@
   <p:clrMapOvr>
     <a:masterClrMapping/>
   </p:clrMapOvr>
+  <p:hf hdr="0" ftr="0" dt="0"/>
 </p:sldLayout>
 </file>
 
@@ -3224,7 +3231,7 @@
             <a:fld id="{B61BEF0D-F0BB-DE4B-95CE-6DB70DBA9567}" type="datetimeFigureOut">
               <a:rPr lang="en-US" dirty="0"/>
               <a:pPr/>
-              <a:t>5/26/2024</a:t>
+              <a:t>5/29/2024</a:t>
             </a:fld>
             <a:endParaRPr lang="en-US" dirty="0"/>
           </a:p>
@@ -3370,6 +3377,7 @@
   <p:clrMapOvr>
     <a:masterClrMapping/>
   </p:clrMapOvr>
+  <p:hf hdr="0" ftr="0" dt="0"/>
 </p:sldLayout>
 </file>
 
@@ -3546,7 +3554,7 @@
             <a:fld id="{B61BEF0D-F0BB-DE4B-95CE-6DB70DBA9567}" type="datetimeFigureOut">
               <a:rPr lang="en-US" dirty="0"/>
               <a:pPr/>
-              <a:t>5/26/2024</a:t>
+              <a:t>5/29/2024</a:t>
             </a:fld>
             <a:endParaRPr lang="en-US" dirty="0"/>
           </a:p>
@@ -3692,6 +3700,7 @@
   <p:clrMapOvr>
     <a:masterClrMapping/>
   </p:clrMapOvr>
+  <p:hf hdr="0" ftr="0" dt="0"/>
 </p:sldLayout>
 </file>
 
@@ -4002,7 +4011,7 @@
             <a:fld id="{B61BEF0D-F0BB-DE4B-95CE-6DB70DBA9567}" type="datetimeFigureOut">
               <a:rPr lang="en-US" dirty="0"/>
               <a:pPr/>
-              <a:t>5/26/2024</a:t>
+              <a:t>5/29/2024</a:t>
             </a:fld>
             <a:endParaRPr lang="en-US" dirty="0"/>
           </a:p>
@@ -4148,6 +4157,7 @@
   <p:clrMapOvr>
     <a:masterClrMapping/>
   </p:clrMapOvr>
+  <p:hf hdr="0" ftr="0" dt="0"/>
 </p:sldLayout>
 </file>
 
@@ -4208,7 +4218,7 @@
             <a:fld id="{B61BEF0D-F0BB-DE4B-95CE-6DB70DBA9567}" type="datetimeFigureOut">
               <a:rPr lang="en-US" dirty="0"/>
               <a:pPr/>
-              <a:t>5/26/2024</a:t>
+              <a:t>5/29/2024</a:t>
             </a:fld>
             <a:endParaRPr lang="en-US" dirty="0"/>
           </a:p>
@@ -4349,6 +4359,7 @@
   <p:clrMapOvr>
     <a:masterClrMapping/>
   </p:clrMapOvr>
+  <p:hf hdr="0" ftr="0" dt="0"/>
 </p:sldLayout>
 </file>
 
@@ -4387,7 +4398,7 @@
             <a:fld id="{B61BEF0D-F0BB-DE4B-95CE-6DB70DBA9567}" type="datetimeFigureOut">
               <a:rPr lang="en-US" dirty="0"/>
               <a:pPr/>
-              <a:t>5/26/2024</a:t>
+              <a:t>5/29/2024</a:t>
             </a:fld>
             <a:endParaRPr lang="en-US" dirty="0"/>
           </a:p>
@@ -4528,6 +4539,7 @@
   <p:clrMapOvr>
     <a:masterClrMapping/>
   </p:clrMapOvr>
+  <p:hf hdr="0" ftr="0" dt="0"/>
 </p:sldLayout>
 </file>
 
@@ -4720,7 +4732,7 @@
             <a:fld id="{B61BEF0D-F0BB-DE4B-95CE-6DB70DBA9567}" type="datetimeFigureOut">
               <a:rPr lang="en-US" dirty="0"/>
               <a:pPr/>
-              <a:t>5/26/2024</a:t>
+              <a:t>5/29/2024</a:t>
             </a:fld>
             <a:endParaRPr lang="en-US" dirty="0"/>
           </a:p>
@@ -4861,6 +4873,7 @@
   <p:clrMapOvr>
     <a:masterClrMapping/>
   </p:clrMapOvr>
+  <p:hf hdr="0" ftr="0" dt="0"/>
 </p:sldLayout>
 </file>
 
@@ -5062,7 +5075,7 @@
             <a:fld id="{B61BEF0D-F0BB-DE4B-95CE-6DB70DBA9567}" type="datetimeFigureOut">
               <a:rPr lang="en-US" dirty="0"/>
               <a:pPr/>
-              <a:t>5/26/2024</a:t>
+              <a:t>5/29/2024</a:t>
             </a:fld>
             <a:endParaRPr lang="en-US" dirty="0"/>
           </a:p>
@@ -5208,6 +5221,7 @@
   <p:clrMapOvr>
     <a:masterClrMapping/>
   </p:clrMapOvr>
+  <p:hf hdr="0" ftr="0" dt="0"/>
 </p:sldLayout>
 </file>
 
@@ -7179,7 +7193,7 @@
             <a:fld id="{B61BEF0D-F0BB-DE4B-95CE-6DB70DBA9567}" type="datetimeFigureOut">
               <a:rPr lang="en-US" dirty="0"/>
               <a:pPr/>
-              <a:t>5/26/2024</a:t>
+              <a:t>5/29/2024</a:t>
             </a:fld>
             <a:endParaRPr lang="en-US" dirty="0"/>
           </a:p>
@@ -7288,6 +7302,7 @@
     <p:sldLayoutId id="2147483771" r:id="rId15"/>
     <p:sldLayoutId id="2147483772" r:id="rId16"/>
   </p:sldLayoutIdLst>
+  <p:hf hdr="0" ftr="0" dt="0"/>
   <p:txStyles>
     <p:titleStyle>
       <a:lvl1pPr algn="l" defTabSz="457200" rtl="0" eaLnBrk="1" latinLnBrk="0" hangingPunct="1">
@@ -8143,6 +8158,36 @@
           </a:p>
         </p:txBody>
       </p:sp>
+      <p:sp>
+        <p:nvSpPr>
+          <p:cNvPr id="5" name="Номер слайда 4">
+            <a:extLst>
+              <a:ext uri="{FF2B5EF4-FFF2-40B4-BE49-F238E27FC236}">
+                <a16:creationId xmlns:a16="http://schemas.microsoft.com/office/drawing/2014/main" id="{210E24A4-AB71-6076-ABC0-324EB6379849}"/>
+              </a:ext>
+            </a:extLst>
+          </p:cNvPr>
+          <p:cNvSpPr>
+            <a:spLocks noGrp="1"/>
+          </p:cNvSpPr>
+          <p:nvPr>
+            <p:ph type="sldNum" sz="quarter" idx="12"/>
+          </p:nvPr>
+        </p:nvSpPr>
+        <p:spPr/>
+        <p:txBody>
+          <a:bodyPr/>
+          <a:lstStyle/>
+          <a:p>
+            <a:fld id="{D57F1E4F-1CFF-5643-939E-217C01CDF565}" type="slidenum">
+              <a:rPr lang="en-US" dirty="0"/>
+              <a:pPr/>
+              <a:t>2</a:t>
+            </a:fld>
+            <a:endParaRPr lang="ru-RU"/>
+          </a:p>
+        </p:txBody>
+      </p:sp>
     </p:spTree>
     <p:extLst>
       <p:ext uri="{BB962C8B-B14F-4D97-AF65-F5344CB8AC3E}">
@@ -8835,6 +8880,36 @@
           </a:p>
         </p:txBody>
       </p:sp>
+      <p:sp>
+        <p:nvSpPr>
+          <p:cNvPr id="4" name="Номер слайда 3">
+            <a:extLst>
+              <a:ext uri="{FF2B5EF4-FFF2-40B4-BE49-F238E27FC236}">
+                <a16:creationId xmlns:a16="http://schemas.microsoft.com/office/drawing/2014/main" id="{65E22A12-D689-9E31-26A1-3B03D3CC973C}"/>
+              </a:ext>
+            </a:extLst>
+          </p:cNvPr>
+          <p:cNvSpPr>
+            <a:spLocks noGrp="1"/>
+          </p:cNvSpPr>
+          <p:nvPr>
+            <p:ph type="sldNum" sz="quarter" idx="12"/>
+          </p:nvPr>
+        </p:nvSpPr>
+        <p:spPr/>
+        <p:txBody>
+          <a:bodyPr/>
+          <a:lstStyle/>
+          <a:p>
+            <a:fld id="{D57F1E4F-1CFF-5643-939E-217C01CDF565}" type="slidenum">
+              <a:rPr lang="en-US" dirty="0"/>
+              <a:pPr/>
+              <a:t>3</a:t>
+            </a:fld>
+            <a:endParaRPr lang="ru-RU"/>
+          </a:p>
+        </p:txBody>
+      </p:sp>
     </p:spTree>
     <p:extLst>
       <p:ext uri="{BB962C8B-B14F-4D97-AF65-F5344CB8AC3E}">
@@ -9653,6 +9728,36 @@
           </a:prstGeom>
         </p:spPr>
       </p:pic>
+      <p:sp>
+        <p:nvSpPr>
+          <p:cNvPr id="5" name="Номер слайда 4">
+            <a:extLst>
+              <a:ext uri="{FF2B5EF4-FFF2-40B4-BE49-F238E27FC236}">
+                <a16:creationId xmlns:a16="http://schemas.microsoft.com/office/drawing/2014/main" id="{9BB14FE1-93AE-204C-A512-89BEB9F7080F}"/>
+              </a:ext>
+            </a:extLst>
+          </p:cNvPr>
+          <p:cNvSpPr>
+            <a:spLocks noGrp="1"/>
+          </p:cNvSpPr>
+          <p:nvPr>
+            <p:ph type="sldNum" sz="quarter" idx="12"/>
+          </p:nvPr>
+        </p:nvSpPr>
+        <p:spPr/>
+        <p:txBody>
+          <a:bodyPr/>
+          <a:lstStyle/>
+          <a:p>
+            <a:fld id="{D57F1E4F-1CFF-5643-939E-217C01CDF565}" type="slidenum">
+              <a:rPr lang="en-US" dirty="0"/>
+              <a:pPr/>
+              <a:t>4</a:t>
+            </a:fld>
+            <a:endParaRPr lang="ru-RU"/>
+          </a:p>
+        </p:txBody>
+      </p:sp>
     </p:spTree>
     <p:extLst>
       <p:ext uri="{BB962C8B-B14F-4D97-AF65-F5344CB8AC3E}">
@@ -10206,6 +10311,36 @@
           </a:p>
         </p:txBody>
       </p:sp>
+      <p:sp>
+        <p:nvSpPr>
+          <p:cNvPr id="4" name="Номер слайда 3">
+            <a:extLst>
+              <a:ext uri="{FF2B5EF4-FFF2-40B4-BE49-F238E27FC236}">
+                <a16:creationId xmlns:a16="http://schemas.microsoft.com/office/drawing/2014/main" id="{C4019D45-08BE-8B5F-C08F-3CD0721BD606}"/>
+              </a:ext>
+            </a:extLst>
+          </p:cNvPr>
+          <p:cNvSpPr>
+            <a:spLocks noGrp="1"/>
+          </p:cNvSpPr>
+          <p:nvPr>
+            <p:ph type="sldNum" sz="quarter" idx="12"/>
+          </p:nvPr>
+        </p:nvSpPr>
+        <p:spPr/>
+        <p:txBody>
+          <a:bodyPr/>
+          <a:lstStyle/>
+          <a:p>
+            <a:fld id="{D57F1E4F-1CFF-5643-939E-217C01CDF565}" type="slidenum">
+              <a:rPr lang="en-US" dirty="0"/>
+              <a:pPr/>
+              <a:t>5</a:t>
+            </a:fld>
+            <a:endParaRPr lang="ru-RU"/>
+          </a:p>
+        </p:txBody>
+      </p:sp>
     </p:spTree>
     <p:extLst>
       <p:ext uri="{BB962C8B-B14F-4D97-AF65-F5344CB8AC3E}">
@@ -10530,6 +10665,36 @@
               <a:rPr lang="en-US" dirty="0"/>
               <a:t>Example of that code</a:t>
             </a:r>
+          </a:p>
+        </p:txBody>
+      </p:sp>
+      <p:sp>
+        <p:nvSpPr>
+          <p:cNvPr id="6" name="Номер слайда 5">
+            <a:extLst>
+              <a:ext uri="{FF2B5EF4-FFF2-40B4-BE49-F238E27FC236}">
+                <a16:creationId xmlns:a16="http://schemas.microsoft.com/office/drawing/2014/main" id="{0A9D3AF1-AA33-D4AB-9DD2-1A999B31AB53}"/>
+              </a:ext>
+            </a:extLst>
+          </p:cNvPr>
+          <p:cNvSpPr>
+            <a:spLocks noGrp="1"/>
+          </p:cNvSpPr>
+          <p:nvPr>
+            <p:ph type="sldNum" sz="quarter" idx="12"/>
+          </p:nvPr>
+        </p:nvSpPr>
+        <p:spPr/>
+        <p:txBody>
+          <a:bodyPr/>
+          <a:lstStyle/>
+          <a:p>
+            <a:fld id="{D57F1E4F-1CFF-5643-939E-217C01CDF565}" type="slidenum">
+              <a:rPr lang="en-US" dirty="0"/>
+              <a:pPr/>
+              <a:t>6</a:t>
+            </a:fld>
+            <a:endParaRPr lang="ru-RU"/>
           </a:p>
         </p:txBody>
       </p:sp>
@@ -11049,6 +11214,36 @@
           </a:p>
         </p:txBody>
       </p:sp>
+      <p:sp>
+        <p:nvSpPr>
+          <p:cNvPr id="6" name="Номер слайда 5">
+            <a:extLst>
+              <a:ext uri="{FF2B5EF4-FFF2-40B4-BE49-F238E27FC236}">
+                <a16:creationId xmlns:a16="http://schemas.microsoft.com/office/drawing/2014/main" id="{333A405C-72DA-9088-ED49-ECC07FBBDE37}"/>
+              </a:ext>
+            </a:extLst>
+          </p:cNvPr>
+          <p:cNvSpPr>
+            <a:spLocks noGrp="1"/>
+          </p:cNvSpPr>
+          <p:nvPr>
+            <p:ph type="sldNum" sz="quarter" idx="12"/>
+          </p:nvPr>
+        </p:nvSpPr>
+        <p:spPr/>
+        <p:txBody>
+          <a:bodyPr/>
+          <a:lstStyle/>
+          <a:p>
+            <a:fld id="{D57F1E4F-1CFF-5643-939E-217C01CDF565}" type="slidenum">
+              <a:rPr lang="en-US" dirty="0"/>
+              <a:pPr/>
+              <a:t>7</a:t>
+            </a:fld>
+            <a:endParaRPr lang="ru-RU"/>
+          </a:p>
+        </p:txBody>
+      </p:sp>
     </p:spTree>
     <p:extLst>
       <p:ext uri="{BB962C8B-B14F-4D97-AF65-F5344CB8AC3E}">
@@ -11630,6 +11825,36 @@
           </a:p>
         </p:txBody>
       </p:sp>
+      <p:sp>
+        <p:nvSpPr>
+          <p:cNvPr id="4" name="Номер слайда 3">
+            <a:extLst>
+              <a:ext uri="{FF2B5EF4-FFF2-40B4-BE49-F238E27FC236}">
+                <a16:creationId xmlns:a16="http://schemas.microsoft.com/office/drawing/2014/main" id="{090CF366-8C2A-7E19-87E6-0B9696AF4F1B}"/>
+              </a:ext>
+            </a:extLst>
+          </p:cNvPr>
+          <p:cNvSpPr>
+            <a:spLocks noGrp="1"/>
+          </p:cNvSpPr>
+          <p:nvPr>
+            <p:ph type="sldNum" sz="quarter" idx="12"/>
+          </p:nvPr>
+        </p:nvSpPr>
+        <p:spPr/>
+        <p:txBody>
+          <a:bodyPr/>
+          <a:lstStyle/>
+          <a:p>
+            <a:fld id="{D57F1E4F-1CFF-5643-939E-217C01CDF565}" type="slidenum">
+              <a:rPr lang="en-US" dirty="0"/>
+              <a:pPr/>
+              <a:t>8</a:t>
+            </a:fld>
+            <a:endParaRPr lang="ru-RU"/>
+          </a:p>
+        </p:txBody>
+      </p:sp>
     </p:spTree>
     <p:extLst>
       <p:ext uri="{BB962C8B-B14F-4D97-AF65-F5344CB8AC3E}">
@@ -11744,10 +11969,10 @@
       </p:sp>
       <p:sp>
         <p:nvSpPr>
-          <p:cNvPr id="3" name="Объект 2">
+          <p:cNvPr id="4" name="Номер слайда 3">
             <a:extLst>
               <a:ext uri="{FF2B5EF4-FFF2-40B4-BE49-F238E27FC236}">
-                <a16:creationId xmlns:a16="http://schemas.microsoft.com/office/drawing/2014/main" id="{8F7CE0BD-70D0-5F5A-90F0-40866732B82A}"/>
+                <a16:creationId xmlns:a16="http://schemas.microsoft.com/office/drawing/2014/main" id="{0383F9CA-57B2-2511-585F-D8BDFCB04FB5}"/>
               </a:ext>
             </a:extLst>
           </p:cNvPr>
@@ -11755,28 +11980,20 @@
             <a:spLocks noGrp="1"/>
           </p:cNvSpPr>
           <p:nvPr>
-            <p:ph idx="1"/>
+            <p:ph type="sldNum" sz="quarter" idx="12"/>
           </p:nvPr>
         </p:nvSpPr>
-        <p:spPr>
-          <a:xfrm>
-            <a:off x="1300452" y="707698"/>
-            <a:ext cx="8795085" cy="1203318"/>
-          </a:xfrm>
-        </p:spPr>
+        <p:spPr/>
         <p:txBody>
-          <a:bodyPr vert="horz" lIns="91440" tIns="45720" rIns="91440" bIns="45720" rtlCol="0" anchor="t">
-            <a:normAutofit/>
-          </a:bodyPr>
+          <a:bodyPr/>
           <a:lstStyle/>
           <a:p>
-            <a:pPr marL="0" indent="0">
-              <a:buNone/>
-            </a:pPr>
-            <a:endParaRPr lang="ru-RU" sz="4000" dirty="0">
-              <a:latin typeface="Cambria"/>
-              <a:ea typeface="Cambria"/>
-            </a:endParaRPr>
+            <a:fld id="{D57F1E4F-1CFF-5643-939E-217C01CDF565}" type="slidenum">
+              <a:rPr lang="en-US" dirty="0"/>
+              <a:pPr/>
+              <a:t>9</a:t>
+            </a:fld>
+            <a:endParaRPr lang="ru-RU"/>
           </a:p>
         </p:txBody>
       </p:sp>
